--- a/Document-Templates/SoftUni-BUDITEL-PowerPoint-Template-EN-May-2024.pptx
+++ b/Document-Templates/SoftUni-BUDITEL-PowerPoint-Template-EN-May-2024.pptx
@@ -293,7 +293,7 @@
             <a:fld id="{FE5B4EDC-59C0-49C7-8ADA-5A781B329E02}" type="datetimeFigureOut">
               <a:rPr lang="en-US"/>
               <a:pPr/>
-              <a:t>10-May-24</a:t>
+              <a:t>11-May-24</a:t>
             </a:fld>
             <a:endParaRPr dirty="0"/>
           </a:p>
@@ -474,7 +474,7 @@
             <a:fld id="{F2D8D46A-B586-417D-BFBD-8C8FE0AAF762}" type="datetimeFigureOut">
               <a:rPr lang="en-US" smtClean="0"/>
               <a:pPr/>
-              <a:t>10-May-24</a:t>
+              <a:t>11-May-24</a:t>
             </a:fld>
             <a:endParaRPr lang="en-US"/>
           </a:p>
@@ -3836,145 +3836,101 @@
           </a:p>
         </p:txBody>
       </p:sp>
-      <p:grpSp>
-        <p:nvGrpSpPr>
-          <p:cNvPr id="7" name="Logo Circle">
+      <p:sp>
+        <p:nvSpPr>
+          <p:cNvPr id="4" name="Logo Oval">
             <a:extLst>
               <a:ext uri="{FF2B5EF4-FFF2-40B4-BE49-F238E27FC236}">
-                <a16:creationId xmlns:a16="http://schemas.microsoft.com/office/drawing/2014/main" id="{EA61396F-3089-0130-8EF5-AA1B0FA72F99}"/>
+                <a16:creationId xmlns:a16="http://schemas.microsoft.com/office/drawing/2014/main" id="{04393970-62B7-BD3F-7846-FD1D0EA4AEA0}"/>
               </a:ext>
             </a:extLst>
           </p:cNvPr>
-          <p:cNvGrpSpPr/>
+          <p:cNvSpPr/>
           <p:nvPr userDrawn="1"/>
-        </p:nvGrpSpPr>
-        <p:grpSpPr>
+        </p:nvSpPr>
+        <p:spPr>
           <a:xfrm>
             <a:off x="5291932" y="5095344"/>
             <a:ext cx="1656185" cy="1656184"/>
-            <a:chOff x="5238948" y="4810049"/>
-            <a:chExt cx="1656185" cy="1656184"/>
           </a:xfrm>
-        </p:grpSpPr>
-        <p:sp>
-          <p:nvSpPr>
-            <p:cNvPr id="11" name="Logo Oval">
-              <a:extLst>
-                <a:ext uri="{FF2B5EF4-FFF2-40B4-BE49-F238E27FC236}">
-                  <a16:creationId xmlns:a16="http://schemas.microsoft.com/office/drawing/2014/main" id="{1DF0A708-7042-01E1-C5B1-B8AA783A7744}"/>
-                </a:ext>
-              </a:extLst>
-            </p:cNvPr>
-            <p:cNvSpPr/>
-            <p:nvPr userDrawn="1"/>
-          </p:nvSpPr>
-          <p:spPr>
-            <a:xfrm>
-              <a:off x="5238948" y="4810049"/>
-              <a:ext cx="1656185" cy="1656184"/>
-            </a:xfrm>
-            <a:prstGeom prst="ellipse">
-              <a:avLst/>
-            </a:prstGeom>
+          <a:prstGeom prst="ellipse">
+            <a:avLst/>
+          </a:prstGeom>
+          <a:solidFill>
+            <a:srgbClr val="FFFFFF"/>
+          </a:solidFill>
+          <a:ln w="19050" cap="flat" cmpd="sng">
             <a:solidFill>
-              <a:srgbClr val="FFFFFF"/>
+              <a:schemeClr val="tx1"/>
             </a:solidFill>
-            <a:ln w="19050" cap="flat" cmpd="sng">
-              <a:solidFill>
-                <a:schemeClr val="tx1"/>
-              </a:solidFill>
-              <a:prstDash val="solid"/>
-              <a:round/>
-              <a:headEnd type="none" w="sm" len="sm"/>
-              <a:tailEnd type="none" w="sm" len="sm"/>
-            </a:ln>
-          </p:spPr>
-          <p:txBody>
-            <a:bodyPr spcFirstLastPara="1" wrap="square" lIns="121868" tIns="121868" rIns="121868" bIns="121868" anchor="ctr" anchorCtr="0">
-              <a:noAutofit/>
-            </a:bodyPr>
-            <a:lstStyle/>
-            <a:p>
-              <a:pPr marL="0" lvl="0" indent="0" algn="ctr" rtl="0">
-                <a:spcBef>
-                  <a:spcPts val="0"/>
-                </a:spcBef>
-                <a:spcAft>
-                  <a:spcPts val="0"/>
-                </a:spcAft>
-                <a:buNone/>
-              </a:pPr>
-              <a:endParaRPr sz="2487" dirty="0"/>
-            </a:p>
-          </p:txBody>
-        </p:sp>
-        <p:pic>
-          <p:nvPicPr>
-            <p:cNvPr id="12" name="Logo Text">
-              <a:extLst>
-                <a:ext uri="{FF2B5EF4-FFF2-40B4-BE49-F238E27FC236}">
-                  <a16:creationId xmlns:a16="http://schemas.microsoft.com/office/drawing/2014/main" id="{A341A768-FD01-762E-2F47-0A3A891A9E65}"/>
-                </a:ext>
-              </a:extLst>
-            </p:cNvPr>
-            <p:cNvPicPr preferRelativeResize="0"/>
-            <p:nvPr userDrawn="1"/>
-          </p:nvPicPr>
-          <p:blipFill rotWithShape="1">
-            <a:blip r:embed="rId2">
-              <a:alphaModFix amt="81000"/>
-            </a:blip>
-            <a:srcRect l="47151"/>
-            <a:stretch/>
-          </p:blipFill>
-          <p:spPr>
-            <a:xfrm>
-              <a:off x="5606975" y="5625768"/>
-              <a:ext cx="950919" cy="638633"/>
-            </a:xfrm>
-            <a:prstGeom prst="rect">
-              <a:avLst/>
-            </a:prstGeom>
+            <a:prstDash val="solid"/>
+            <a:round/>
+            <a:headEnd type="none" w="sm" len="sm"/>
+            <a:tailEnd type="none" w="sm" len="sm"/>
+          </a:ln>
+        </p:spPr>
+        <p:txBody>
+          <a:bodyPr spcFirstLastPara="1" wrap="square" lIns="121868" tIns="121868" rIns="121868" bIns="121868" anchor="ctr" anchorCtr="0">
+            <a:noAutofit/>
+          </a:bodyPr>
+          <a:lstStyle/>
+          <a:p>
+            <a:pPr marL="0" lvl="0" indent="0" algn="ctr" rtl="0">
+              <a:spcBef>
+                <a:spcPts val="0"/>
+              </a:spcBef>
+              <a:spcAft>
+                <a:spcPts val="0"/>
+              </a:spcAft>
+              <a:buNone/>
+            </a:pPr>
+            <a:endParaRPr sz="2487" dirty="0"/>
+          </a:p>
+        </p:txBody>
+      </p:sp>
+      <p:pic>
+        <p:nvPicPr>
+          <p:cNvPr id="5" name="Logo Icon">
+            <a:extLst>
+              <a:ext uri="{FF2B5EF4-FFF2-40B4-BE49-F238E27FC236}">
+                <a16:creationId xmlns:a16="http://schemas.microsoft.com/office/drawing/2014/main" id="{C026A59C-1ADF-BA56-5CD8-DFA1CE1C76B6}"/>
+              </a:ext>
+            </a:extLst>
+          </p:cNvPr>
+          <p:cNvPicPr preferRelativeResize="0">
+            <a:picLocks noChangeAspect="1"/>
+          </p:cNvPicPr>
+          <p:nvPr userDrawn="1"/>
+        </p:nvPicPr>
+        <p:blipFill>
+          <a:blip r:embed="rId2" cstate="print">
+            <a:alphaModFix amt="85000"/>
+            <a:extLst>
+              <a:ext uri="{28A0092B-C50C-407E-A947-70E740481C1C}">
+                <a14:useLocalDpi xmlns:a14="http://schemas.microsoft.com/office/drawing/2010/main" val="0"/>
+              </a:ext>
+              <a:ext uri="{96DAC541-7B7A-43D3-8B79-37D633B846F1}">
+                <asvg:svgBlip xmlns:asvg="http://schemas.microsoft.com/office/drawing/2016/SVG/main" r:embed="rId3"/>
+              </a:ext>
+            </a:extLst>
+          </a:blip>
+          <a:srcRect/>
+          <a:stretch/>
+        </p:blipFill>
+        <p:spPr>
+          <a:xfrm>
+            <a:off x="5700802" y="5262880"/>
+            <a:ext cx="859617" cy="1232119"/>
+          </a:xfrm>
+          <a:prstGeom prst="rect">
+            <a:avLst/>
+          </a:prstGeom>
+          <a:noFill/>
+          <a:ln>
             <a:noFill/>
-            <a:ln>
-              <a:noFill/>
-            </a:ln>
-          </p:spPr>
-        </p:pic>
-        <p:pic>
-          <p:nvPicPr>
-            <p:cNvPr id="14" name="Logo Image">
-              <a:extLst>
-                <a:ext uri="{FF2B5EF4-FFF2-40B4-BE49-F238E27FC236}">
-                  <a16:creationId xmlns:a16="http://schemas.microsoft.com/office/drawing/2014/main" id="{C21A3CEB-BD8D-DA29-2E73-1B8C3DB848AB}"/>
-                </a:ext>
-              </a:extLst>
-            </p:cNvPr>
-            <p:cNvPicPr preferRelativeResize="0"/>
-            <p:nvPr userDrawn="1"/>
-          </p:nvPicPr>
-          <p:blipFill rotWithShape="1">
-            <a:blip r:embed="rId2">
-              <a:alphaModFix amt="81000"/>
-            </a:blip>
-            <a:srcRect r="53639"/>
-            <a:stretch/>
-          </p:blipFill>
-          <p:spPr>
-            <a:xfrm>
-              <a:off x="5665361" y="5015192"/>
-              <a:ext cx="834149" cy="638633"/>
-            </a:xfrm>
-            <a:prstGeom prst="rect">
-              <a:avLst/>
-            </a:prstGeom>
-            <a:noFill/>
-            <a:ln>
-              <a:noFill/>
-            </a:ln>
-          </p:spPr>
-        </p:pic>
-      </p:grpSp>
+          </a:ln>
+        </p:spPr>
+      </p:pic>
       <p:sp>
         <p:nvSpPr>
           <p:cNvPr id="10" name="Text Placeholder Right">
@@ -4171,6 +4127,55 @@
           </a:p>
         </p:txBody>
       </p:sp>
+      <p:pic>
+        <p:nvPicPr>
+          <p:cNvPr id="3" name="Slide Logo">
+            <a:hlinkClick r:id="rId4"/>
+            <a:extLst>
+              <a:ext uri="{FF2B5EF4-FFF2-40B4-BE49-F238E27FC236}">
+                <a16:creationId xmlns:a16="http://schemas.microsoft.com/office/drawing/2014/main" id="{8E039057-7442-2B29-2C6B-A04595C35F67}"/>
+              </a:ext>
+            </a:extLst>
+          </p:cNvPr>
+          <p:cNvPicPr>
+            <a:picLocks noChangeAspect="1" noChangeArrowheads="1"/>
+          </p:cNvPicPr>
+          <p:nvPr userDrawn="1"/>
+        </p:nvPicPr>
+        <p:blipFill>
+          <a:blip r:embed="rId5" cstate="print">
+            <a:extLst>
+              <a:ext uri="{28A0092B-C50C-407E-A947-70E740481C1C}">
+                <a14:useLocalDpi xmlns:a14="http://schemas.microsoft.com/office/drawing/2010/main" val="0"/>
+              </a:ext>
+              <a:ext uri="{96DAC541-7B7A-43D3-8B79-37D633B846F1}">
+                <asvg:svgBlip xmlns:asvg="http://schemas.microsoft.com/office/drawing/2016/SVG/main" r:embed="rId6"/>
+              </a:ext>
+            </a:extLst>
+          </a:blip>
+          <a:srcRect/>
+          <a:stretch/>
+        </p:blipFill>
+        <p:spPr bwMode="auto">
+          <a:xfrm>
+            <a:off x="10375293" y="288522"/>
+            <a:ext cx="1555745" cy="557475"/>
+          </a:xfrm>
+          <a:prstGeom prst="rect">
+            <a:avLst/>
+          </a:prstGeom>
+          <a:noFill/>
+          <a:extLst>
+            <a:ext uri="{909E8E84-426E-40DD-AFC4-6F175D3DCCD1}">
+              <a14:hiddenFill xmlns:a14="http://schemas.microsoft.com/office/drawing/2010/main">
+                <a:solidFill>
+                  <a:srgbClr val="FFFFFF"/>
+                </a:solidFill>
+              </a14:hiddenFill>
+            </a:ext>
+          </a:extLst>
+        </p:spPr>
+      </p:pic>
       <p:sp>
         <p:nvSpPr>
           <p:cNvPr id="6" name="Slide Title">
@@ -4212,55 +4217,6 @@
           </a:p>
         </p:txBody>
       </p:sp>
-      <p:pic>
-        <p:nvPicPr>
-          <p:cNvPr id="3" name="Slide Logo">
-            <a:hlinkClick r:id="rId3"/>
-            <a:extLst>
-              <a:ext uri="{FF2B5EF4-FFF2-40B4-BE49-F238E27FC236}">
-                <a16:creationId xmlns:a16="http://schemas.microsoft.com/office/drawing/2014/main" id="{8E039057-7442-2B29-2C6B-A04595C35F67}"/>
-              </a:ext>
-            </a:extLst>
-          </p:cNvPr>
-          <p:cNvPicPr>
-            <a:picLocks noChangeAspect="1" noChangeArrowheads="1"/>
-          </p:cNvPicPr>
-          <p:nvPr userDrawn="1"/>
-        </p:nvPicPr>
-        <p:blipFill>
-          <a:blip r:embed="rId4" cstate="print">
-            <a:extLst>
-              <a:ext uri="{28A0092B-C50C-407E-A947-70E740481C1C}">
-                <a14:useLocalDpi xmlns:a14="http://schemas.microsoft.com/office/drawing/2010/main" val="0"/>
-              </a:ext>
-              <a:ext uri="{96DAC541-7B7A-43D3-8B79-37D633B846F1}">
-                <asvg:svgBlip xmlns:asvg="http://schemas.microsoft.com/office/drawing/2016/SVG/main" r:embed="rId5"/>
-              </a:ext>
-            </a:extLst>
-          </a:blip>
-          <a:srcRect/>
-          <a:stretch/>
-        </p:blipFill>
-        <p:spPr bwMode="auto">
-          <a:xfrm>
-            <a:off x="10375293" y="288522"/>
-            <a:ext cx="1555745" cy="557475"/>
-          </a:xfrm>
-          <a:prstGeom prst="rect">
-            <a:avLst/>
-          </a:prstGeom>
-          <a:noFill/>
-          <a:extLst>
-            <a:ext uri="{909E8E84-426E-40DD-AFC4-6F175D3DCCD1}">
-              <a14:hiddenFill xmlns:a14="http://schemas.microsoft.com/office/drawing/2010/main">
-                <a:solidFill>
-                  <a:srgbClr val="FFFFFF"/>
-                </a:solidFill>
-              </a14:hiddenFill>
-            </a:ext>
-          </a:extLst>
-        </p:spPr>
-      </p:pic>
     </p:spTree>
     <p:extLst>
       <p:ext uri="{BB962C8B-B14F-4D97-AF65-F5344CB8AC3E}">
@@ -5869,200 +5825,6 @@
           </a:p>
         </p:txBody>
       </p:sp>
-      <p:pic>
-        <p:nvPicPr>
-          <p:cNvPr id="7" name="Logo SoftUni Buditel">
-            <a:hlinkClick r:id="rId2"/>
-            <a:extLst>
-              <a:ext uri="{FF2B5EF4-FFF2-40B4-BE49-F238E27FC236}">
-                <a16:creationId xmlns:a16="http://schemas.microsoft.com/office/drawing/2014/main" id="{023EF95E-B767-7388-884A-449FBE868CE5}"/>
-              </a:ext>
-            </a:extLst>
-          </p:cNvPr>
-          <p:cNvPicPr preferRelativeResize="0"/>
-          <p:nvPr userDrawn="1"/>
-        </p:nvPicPr>
-        <p:blipFill>
-          <a:blip r:embed="rId3" cstate="print">
-            <a:extLst>
-              <a:ext uri="{28A0092B-C50C-407E-A947-70E740481C1C}">
-                <a14:useLocalDpi xmlns:a14="http://schemas.microsoft.com/office/drawing/2010/main" val="0"/>
-              </a:ext>
-              <a:ext uri="{96DAC541-7B7A-43D3-8B79-37D633B846F1}">
-                <asvg:svgBlip xmlns:asvg="http://schemas.microsoft.com/office/drawing/2016/SVG/main" r:embed="rId4"/>
-              </a:ext>
-            </a:extLst>
-          </a:blip>
-          <a:srcRect/>
-          <a:stretch/>
-        </p:blipFill>
-        <p:spPr>
-          <a:xfrm>
-            <a:off x="9815171" y="5924793"/>
-            <a:ext cx="1872000" cy="528543"/>
-          </a:xfrm>
-          <a:prstGeom prst="rect">
-            <a:avLst/>
-          </a:prstGeom>
-          <a:noFill/>
-          <a:ln>
-            <a:noFill/>
-          </a:ln>
-        </p:spPr>
-      </p:pic>
-      <p:pic>
-        <p:nvPicPr>
-          <p:cNvPr id="9" name="Logo SoftUni Digital">
-            <a:hlinkClick r:id="rId5"/>
-            <a:extLst>
-              <a:ext uri="{FF2B5EF4-FFF2-40B4-BE49-F238E27FC236}">
-                <a16:creationId xmlns:a16="http://schemas.microsoft.com/office/drawing/2014/main" id="{1E5FB0A9-34BC-83A4-2C2A-33C714ABF11A}"/>
-              </a:ext>
-            </a:extLst>
-          </p:cNvPr>
-          <p:cNvPicPr>
-            <a:picLocks noChangeAspect="1"/>
-          </p:cNvPicPr>
-          <p:nvPr userDrawn="1"/>
-        </p:nvPicPr>
-        <p:blipFill>
-          <a:blip r:embed="rId6" cstate="print">
-            <a:extLst>
-              <a:ext uri="{28A0092B-C50C-407E-A947-70E740481C1C}">
-                <a14:useLocalDpi xmlns:a14="http://schemas.microsoft.com/office/drawing/2010/main" val="0"/>
-              </a:ext>
-              <a:ext uri="{96DAC541-7B7A-43D3-8B79-37D633B846F1}">
-                <asvg:svgBlip xmlns:asvg="http://schemas.microsoft.com/office/drawing/2016/SVG/main" r:embed="rId7"/>
-              </a:ext>
-            </a:extLst>
-          </a:blip>
-          <a:srcRect/>
-          <a:stretch/>
-        </p:blipFill>
-        <p:spPr>
-          <a:xfrm>
-            <a:off x="9815171" y="4810158"/>
-            <a:ext cx="1872000" cy="634525"/>
-          </a:xfrm>
-          <a:prstGeom prst="rect">
-            <a:avLst/>
-          </a:prstGeom>
-        </p:spPr>
-      </p:pic>
-      <p:pic>
-        <p:nvPicPr>
-          <p:cNvPr id="8" name="Logo SoftUni Creative">
-            <a:hlinkClick r:id="rId8"/>
-            <a:extLst>
-              <a:ext uri="{FF2B5EF4-FFF2-40B4-BE49-F238E27FC236}">
-                <a16:creationId xmlns:a16="http://schemas.microsoft.com/office/drawing/2014/main" id="{24215B95-F59A-6D2E-C035-98B0A53C6F2A}"/>
-              </a:ext>
-            </a:extLst>
-          </p:cNvPr>
-          <p:cNvPicPr>
-            <a:picLocks noChangeAspect="1"/>
-          </p:cNvPicPr>
-          <p:nvPr userDrawn="1"/>
-        </p:nvPicPr>
-        <p:blipFill>
-          <a:blip r:embed="rId9" cstate="print">
-            <a:extLst>
-              <a:ext uri="{28A0092B-C50C-407E-A947-70E740481C1C}">
-                <a14:useLocalDpi xmlns:a14="http://schemas.microsoft.com/office/drawing/2010/main" val="0"/>
-              </a:ext>
-            </a:extLst>
-          </a:blip>
-          <a:srcRect/>
-          <a:stretch/>
-        </p:blipFill>
-        <p:spPr>
-          <a:xfrm>
-            <a:off x="9752373" y="3635654"/>
-            <a:ext cx="1997596" cy="694396"/>
-          </a:xfrm>
-          <a:prstGeom prst="rect">
-            <a:avLst/>
-          </a:prstGeom>
-        </p:spPr>
-      </p:pic>
-      <p:pic>
-        <p:nvPicPr>
-          <p:cNvPr id="5" name="Logo Software University">
-            <a:hlinkClick r:id="rId10"/>
-            <a:extLst>
-              <a:ext uri="{FF2B5EF4-FFF2-40B4-BE49-F238E27FC236}">
-                <a16:creationId xmlns:a16="http://schemas.microsoft.com/office/drawing/2014/main" id="{47E8798E-CBA9-48CD-B796-F9FD377DBC0A}"/>
-              </a:ext>
-            </a:extLst>
-          </p:cNvPr>
-          <p:cNvPicPr>
-            <a:picLocks noChangeAspect="1"/>
-          </p:cNvPicPr>
-          <p:nvPr userDrawn="1"/>
-        </p:nvPicPr>
-        <p:blipFill>
-          <a:blip r:embed="rId11" cstate="print">
-            <a:extLst>
-              <a:ext uri="{28A0092B-C50C-407E-A947-70E740481C1C}">
-                <a14:useLocalDpi xmlns:a14="http://schemas.microsoft.com/office/drawing/2010/main" val="0"/>
-              </a:ext>
-              <a:ext uri="{96DAC541-7B7A-43D3-8B79-37D633B846F1}">
-                <asvg:svgBlip xmlns:asvg="http://schemas.microsoft.com/office/drawing/2016/SVG/main" r:embed="rId12"/>
-              </a:ext>
-            </a:extLst>
-          </a:blip>
-          <a:srcRect/>
-          <a:stretch/>
-        </p:blipFill>
-        <p:spPr>
-          <a:xfrm>
-            <a:off x="9815171" y="2632702"/>
-            <a:ext cx="1872000" cy="522844"/>
-          </a:xfrm>
-          <a:prstGeom prst="rect">
-            <a:avLst/>
-          </a:prstGeom>
-        </p:spPr>
-      </p:pic>
-      <p:pic>
-        <p:nvPicPr>
-          <p:cNvPr id="4" name="Logo SoftUni">
-            <a:hlinkClick r:id="rId13"/>
-            <a:extLst>
-              <a:ext uri="{FF2B5EF4-FFF2-40B4-BE49-F238E27FC236}">
-                <a16:creationId xmlns:a16="http://schemas.microsoft.com/office/drawing/2014/main" id="{395A5610-F911-4C31-BF1F-F30F8766C345}"/>
-              </a:ext>
-            </a:extLst>
-          </p:cNvPr>
-          <p:cNvPicPr>
-            <a:picLocks noChangeAspect="1"/>
-          </p:cNvPicPr>
-          <p:nvPr userDrawn="1"/>
-        </p:nvPicPr>
-        <p:blipFill>
-          <a:blip r:embed="rId14" cstate="print">
-            <a:extLst>
-              <a:ext uri="{28A0092B-C50C-407E-A947-70E740481C1C}">
-                <a14:useLocalDpi xmlns:a14="http://schemas.microsoft.com/office/drawing/2010/main" val="0"/>
-              </a:ext>
-              <a:ext uri="{96DAC541-7B7A-43D3-8B79-37D633B846F1}">
-                <asvg:svgBlip xmlns:asvg="http://schemas.microsoft.com/office/drawing/2016/SVG/main" r:embed="rId15"/>
-              </a:ext>
-            </a:extLst>
-          </a:blip>
-          <a:srcRect/>
-          <a:stretch/>
-        </p:blipFill>
-        <p:spPr>
-          <a:xfrm>
-            <a:off x="9815171" y="1576594"/>
-            <a:ext cx="1870681" cy="576000"/>
-          </a:xfrm>
-          <a:prstGeom prst="rect">
-            <a:avLst/>
-          </a:prstGeom>
-        </p:spPr>
-      </p:pic>
       <p:sp>
         <p:nvSpPr>
           <p:cNvPr id="12" name="Slide Body Text">
@@ -6387,13 +6149,216 @@
           <p:nvPr userDrawn="1"/>
         </p:nvPicPr>
         <p:blipFill>
-          <a:blip r:embed="rId16" cstate="print">
+          <a:blip r:embed="rId3" cstate="print">
             <a:extLst>
               <a:ext uri="{28A0092B-C50C-407E-A947-70E740481C1C}">
                 <a14:useLocalDpi xmlns:a14="http://schemas.microsoft.com/office/drawing/2010/main" val="0"/>
               </a:ext>
               <a:ext uri="{96DAC541-7B7A-43D3-8B79-37D633B846F1}">
-                <asvg:svgBlip xmlns:asvg="http://schemas.microsoft.com/office/drawing/2016/SVG/main" r:embed="rId17"/>
+                <asvg:svgBlip xmlns:asvg="http://schemas.microsoft.com/office/drawing/2016/SVG/main" r:embed="rId4"/>
+              </a:ext>
+            </a:extLst>
+          </a:blip>
+          <a:srcRect/>
+          <a:stretch/>
+        </p:blipFill>
+        <p:spPr bwMode="auto">
+          <a:xfrm>
+            <a:off x="9812693" y="5796877"/>
+            <a:ext cx="1870680" cy="670326"/>
+          </a:xfrm>
+          <a:prstGeom prst="rect">
+            <a:avLst/>
+          </a:prstGeom>
+          <a:noFill/>
+          <a:extLst>
+            <a:ext uri="{909E8E84-426E-40DD-AFC4-6F175D3DCCD1}">
+              <a14:hiddenFill xmlns:a14="http://schemas.microsoft.com/office/drawing/2010/main">
+                <a:solidFill>
+                  <a:srgbClr val="FFFFFF"/>
+                </a:solidFill>
+              </a14:hiddenFill>
+            </a:ext>
+          </a:extLst>
+        </p:spPr>
+      </p:pic>
+      <p:pic>
+        <p:nvPicPr>
+          <p:cNvPr id="10" name="Logo SoftUni Digital">
+            <a:hlinkClick r:id="rId5"/>
+            <a:extLst>
+              <a:ext uri="{FF2B5EF4-FFF2-40B4-BE49-F238E27FC236}">
+                <a16:creationId xmlns:a16="http://schemas.microsoft.com/office/drawing/2014/main" id="{F3182BC9-348D-9A9F-2CB4-457279AF518E}"/>
+              </a:ext>
+            </a:extLst>
+          </p:cNvPr>
+          <p:cNvPicPr>
+            <a:picLocks noChangeAspect="1"/>
+          </p:cNvPicPr>
+          <p:nvPr userDrawn="1"/>
+        </p:nvPicPr>
+        <p:blipFill>
+          <a:blip r:embed="rId6" cstate="print">
+            <a:extLst>
+              <a:ext uri="{28A0092B-C50C-407E-A947-70E740481C1C}">
+                <a14:useLocalDpi xmlns:a14="http://schemas.microsoft.com/office/drawing/2010/main" val="0"/>
+              </a:ext>
+              <a:ext uri="{96DAC541-7B7A-43D3-8B79-37D633B846F1}">
+                <asvg:svgBlip xmlns:asvg="http://schemas.microsoft.com/office/drawing/2016/SVG/main" r:embed="rId7"/>
+              </a:ext>
+            </a:extLst>
+          </a:blip>
+          <a:srcRect/>
+          <a:stretch/>
+        </p:blipFill>
+        <p:spPr>
+          <a:xfrm>
+            <a:off x="9815171" y="4672902"/>
+            <a:ext cx="1872000" cy="634525"/>
+          </a:xfrm>
+          <a:prstGeom prst="rect">
+            <a:avLst/>
+          </a:prstGeom>
+        </p:spPr>
+      </p:pic>
+      <p:pic>
+        <p:nvPicPr>
+          <p:cNvPr id="11" name="Logo SoftUni Creative">
+            <a:hlinkClick r:id="rId8"/>
+            <a:extLst>
+              <a:ext uri="{FF2B5EF4-FFF2-40B4-BE49-F238E27FC236}">
+                <a16:creationId xmlns:a16="http://schemas.microsoft.com/office/drawing/2014/main" id="{8F636157-EFA7-F1E2-9F70-A1EE1F957FF6}"/>
+              </a:ext>
+            </a:extLst>
+          </p:cNvPr>
+          <p:cNvPicPr>
+            <a:picLocks noChangeAspect="1"/>
+          </p:cNvPicPr>
+          <p:nvPr userDrawn="1"/>
+        </p:nvPicPr>
+        <p:blipFill>
+          <a:blip r:embed="rId9" cstate="print">
+            <a:extLst>
+              <a:ext uri="{28A0092B-C50C-407E-A947-70E740481C1C}">
+                <a14:useLocalDpi xmlns:a14="http://schemas.microsoft.com/office/drawing/2010/main" val="0"/>
+              </a:ext>
+              <a:ext uri="{96DAC541-7B7A-43D3-8B79-37D633B846F1}">
+                <asvg:svgBlip xmlns:asvg="http://schemas.microsoft.com/office/drawing/2016/SVG/main" r:embed="rId10"/>
+              </a:ext>
+            </a:extLst>
+          </a:blip>
+          <a:srcRect/>
+          <a:stretch/>
+        </p:blipFill>
+        <p:spPr>
+          <a:xfrm>
+            <a:off x="9812693" y="3582850"/>
+            <a:ext cx="1870680" cy="600601"/>
+          </a:xfrm>
+          <a:prstGeom prst="rect">
+            <a:avLst/>
+          </a:prstGeom>
+        </p:spPr>
+      </p:pic>
+      <p:pic>
+        <p:nvPicPr>
+          <p:cNvPr id="14" name="Logo Software University">
+            <a:hlinkClick r:id="rId11"/>
+            <a:extLst>
+              <a:ext uri="{FF2B5EF4-FFF2-40B4-BE49-F238E27FC236}">
+                <a16:creationId xmlns:a16="http://schemas.microsoft.com/office/drawing/2014/main" id="{68D6A158-3803-177F-9CE0-53D80839053D}"/>
+              </a:ext>
+            </a:extLst>
+          </p:cNvPr>
+          <p:cNvPicPr>
+            <a:picLocks noChangeAspect="1"/>
+          </p:cNvPicPr>
+          <p:nvPr userDrawn="1"/>
+        </p:nvPicPr>
+        <p:blipFill>
+          <a:blip r:embed="rId12" cstate="print">
+            <a:extLst>
+              <a:ext uri="{28A0092B-C50C-407E-A947-70E740481C1C}">
+                <a14:useLocalDpi xmlns:a14="http://schemas.microsoft.com/office/drawing/2010/main" val="0"/>
+              </a:ext>
+              <a:ext uri="{96DAC541-7B7A-43D3-8B79-37D633B846F1}">
+                <asvg:svgBlip xmlns:asvg="http://schemas.microsoft.com/office/drawing/2016/SVG/main" r:embed="rId13"/>
+              </a:ext>
+            </a:extLst>
+          </a:blip>
+          <a:srcRect/>
+          <a:stretch/>
+        </p:blipFill>
+        <p:spPr>
+          <a:xfrm>
+            <a:off x="9815171" y="2570555"/>
+            <a:ext cx="1872000" cy="522844"/>
+          </a:xfrm>
+          <a:prstGeom prst="rect">
+            <a:avLst/>
+          </a:prstGeom>
+        </p:spPr>
+      </p:pic>
+      <p:pic>
+        <p:nvPicPr>
+          <p:cNvPr id="15" name="Logo SoftUni">
+            <a:hlinkClick r:id="rId14"/>
+            <a:extLst>
+              <a:ext uri="{FF2B5EF4-FFF2-40B4-BE49-F238E27FC236}">
+                <a16:creationId xmlns:a16="http://schemas.microsoft.com/office/drawing/2014/main" id="{5604BEA7-658E-04EB-5D40-3ECBD4808FFF}"/>
+              </a:ext>
+            </a:extLst>
+          </p:cNvPr>
+          <p:cNvPicPr/>
+          <p:nvPr userDrawn="1"/>
+        </p:nvPicPr>
+        <p:blipFill>
+          <a:blip r:embed="rId15" cstate="print">
+            <a:extLst>
+              <a:ext uri="{28A0092B-C50C-407E-A947-70E740481C1C}">
+                <a14:useLocalDpi xmlns:a14="http://schemas.microsoft.com/office/drawing/2010/main" val="0"/>
+              </a:ext>
+              <a:ext uri="{96DAC541-7B7A-43D3-8B79-37D633B846F1}">
+                <asvg:svgBlip xmlns:asvg="http://schemas.microsoft.com/office/drawing/2016/SVG/main" r:embed="rId16"/>
+              </a:ext>
+            </a:extLst>
+          </a:blip>
+          <a:srcRect/>
+          <a:stretch/>
+        </p:blipFill>
+        <p:spPr>
+          <a:xfrm>
+            <a:off x="9815171" y="1505104"/>
+            <a:ext cx="1870681" cy="576000"/>
+          </a:xfrm>
+          <a:prstGeom prst="rect">
+            <a:avLst/>
+          </a:prstGeom>
+        </p:spPr>
+      </p:pic>
+      <p:pic>
+        <p:nvPicPr>
+          <p:cNvPr id="17" name="Slide Logo">
+            <a:hlinkClick r:id="rId2"/>
+            <a:extLst>
+              <a:ext uri="{FF2B5EF4-FFF2-40B4-BE49-F238E27FC236}">
+                <a16:creationId xmlns:a16="http://schemas.microsoft.com/office/drawing/2014/main" id="{49CF8B25-5E0F-E165-CEEC-F2328382DDB6}"/>
+              </a:ext>
+            </a:extLst>
+          </p:cNvPr>
+          <p:cNvPicPr>
+            <a:picLocks noChangeAspect="1" noChangeArrowheads="1"/>
+          </p:cNvPicPr>
+          <p:nvPr userDrawn="1"/>
+        </p:nvPicPr>
+        <p:blipFill>
+          <a:blip r:embed="rId3" cstate="print">
+            <a:extLst>
+              <a:ext uri="{28A0092B-C50C-407E-A947-70E740481C1C}">
+                <a14:useLocalDpi xmlns:a14="http://schemas.microsoft.com/office/drawing/2010/main" val="0"/>
+              </a:ext>
+              <a:ext uri="{96DAC541-7B7A-43D3-8B79-37D633B846F1}">
+                <asvg:svgBlip xmlns:asvg="http://schemas.microsoft.com/office/drawing/2016/SVG/main" r:embed="rId4"/>
               </a:ext>
             </a:extLst>
           </a:blip>
